--- a/Team 7 - MYSQL - Project.pptx
+++ b/Team 7 - MYSQL - Project.pptx
@@ -5,17 +5,19 @@
     <p:sldMasterId id="2147483648" r:id="rId4"/>
   </p:sldMasterIdLst>
   <p:notesMasterIdLst>
-    <p:notesMasterId r:id="rId10"/>
+    <p:notesMasterId r:id="rId12"/>
   </p:notesMasterIdLst>
   <p:handoutMasterIdLst>
-    <p:handoutMasterId r:id="rId11"/>
+    <p:handoutMasterId r:id="rId13"/>
   </p:handoutMasterIdLst>
   <p:sldIdLst>
     <p:sldId id="298" r:id="rId5"/>
     <p:sldId id="300" r:id="rId6"/>
     <p:sldId id="325" r:id="rId7"/>
     <p:sldId id="326" r:id="rId8"/>
-    <p:sldId id="324" r:id="rId9"/>
+    <p:sldId id="327" r:id="rId9"/>
+    <p:sldId id="328" r:id="rId10"/>
+    <p:sldId id="324" r:id="rId11"/>
   </p:sldIdLst>
   <p:sldSz cx="12192000" cy="6858000"/>
   <p:notesSz cx="6858000" cy="9144000"/>
@@ -230,7 +232,7 @@
           <a:p>
             <a:fld id="{EF1077DB-935E-4A0A-947A-D283B9F9F452}" type="datetimeFigureOut">
               <a:rPr lang="en-US" smtClean="0"/>
-              <a:t>10/18/20</a:t>
+              <a:t>10/20/20</a:t>
             </a:fld>
             <a:endParaRPr lang="en-US"/>
           </a:p>
@@ -407,7 +409,7 @@
           <a:p>
             <a:fld id="{2D9EC30E-1A71-4188-9BE7-E2A64929A436}" type="datetimeFigureOut">
               <a:rPr lang="en-US" noProof="0" smtClean="0"/>
-              <a:t>10/18/20</a:t>
+              <a:t>10/20/20</a:t>
             </a:fld>
             <a:endParaRPr lang="en-US" noProof="0"/>
           </a:p>
@@ -9858,10 +9860,10 @@
       </p:grpSpPr>
       <p:pic>
         <p:nvPicPr>
-          <p:cNvPr id="9" name="Picture 8" descr="Graphical user interface, text, application&#10;&#10;Description automatically generated">
-            <a:extLst>
-              <a:ext uri="{FF2B5EF4-FFF2-40B4-BE49-F238E27FC236}">
-                <a16:creationId xmlns:a16="http://schemas.microsoft.com/office/drawing/2014/main" id="{E09FC31E-6DD4-2549-A537-4979B79B7560}"/>
+          <p:cNvPr id="8" name="Picture 7" descr="A picture containing graphical user interface, text&#10;&#10;Description automatically generated">
+            <a:extLst>
+              <a:ext uri="{FF2B5EF4-FFF2-40B4-BE49-F238E27FC236}">
+                <a16:creationId xmlns:a16="http://schemas.microsoft.com/office/drawing/2014/main" id="{95FE7B66-C3A2-4043-A402-DEA7CF119F40}"/>
               </a:ext>
             </a:extLst>
           </p:cNvPr>
@@ -9878,8 +9880,8 @@
         </p:blipFill>
         <p:spPr>
           <a:xfrm>
-            <a:off x="1384300" y="1028700"/>
-            <a:ext cx="5511800" cy="5143500"/>
+            <a:off x="431800" y="1028700"/>
+            <a:ext cx="5715000" cy="5130800"/>
           </a:xfrm>
           <a:prstGeom prst="rect">
             <a:avLst/>
@@ -9888,10 +9890,10 @@
       </p:pic>
       <p:pic>
         <p:nvPicPr>
-          <p:cNvPr id="11" name="Picture 10" descr="Table&#10;&#10;Description automatically generated">
-            <a:extLst>
-              <a:ext uri="{FF2B5EF4-FFF2-40B4-BE49-F238E27FC236}">
-                <a16:creationId xmlns:a16="http://schemas.microsoft.com/office/drawing/2014/main" id="{3629A2E0-AF89-E54E-8171-FAEF9A3E20BF}"/>
+          <p:cNvPr id="6" name="Picture 5" descr="Table&#10;&#10;Description automatically generated">
+            <a:extLst>
+              <a:ext uri="{FF2B5EF4-FFF2-40B4-BE49-F238E27FC236}">
+                <a16:creationId xmlns:a16="http://schemas.microsoft.com/office/drawing/2014/main" id="{B3491CA3-7EF1-0B45-8DEC-2982EF029C6C}"/>
               </a:ext>
             </a:extLst>
           </p:cNvPr>
@@ -9908,8 +9910,8 @@
         </p:blipFill>
         <p:spPr>
           <a:xfrm>
-            <a:off x="6959600" y="1028700"/>
-            <a:ext cx="3822700" cy="5143500"/>
+            <a:off x="6223000" y="1028700"/>
+            <a:ext cx="5511800" cy="5130800"/>
           </a:xfrm>
           <a:prstGeom prst="rect">
             <a:avLst/>
@@ -9940,10 +9942,10 @@
           <a:p>
             <a:pPr lvl="0" fontAlgn="base"/>
             <a:r>
-              <a:rPr lang="en-US" sz="3000"/>
-              <a:t>Classify the film genres into buckets of top earnings (rental count * rental rate)?</a:t>
-            </a:r>
-            <a:endParaRPr lang="en-IN" sz="3000"/>
+              <a:rPr lang="en-US" sz="3000" dirty="0"/>
+              <a:t>Classify the film genres into buckets based on top earnings ?</a:t>
+            </a:r>
+            <a:endParaRPr lang="en-IN" sz="3000" dirty="0"/>
           </a:p>
         </p:txBody>
       </p:sp>
@@ -10075,10 +10077,10 @@
           <a:p>
             <a:pPr lvl="0" fontAlgn="base"/>
             <a:r>
-              <a:rPr lang="en-US" sz="3000"/>
+              <a:rPr lang="en-US" sz="3000" dirty="0"/>
               <a:t>Classify actors into buckets of most rented (demand)?</a:t>
             </a:r>
-            <a:endParaRPr lang="en-IN" sz="3000"/>
+            <a:endParaRPr lang="en-IN" sz="3000" dirty="0"/>
           </a:p>
         </p:txBody>
       </p:sp>
@@ -10280,6 +10282,396 @@
           <a:chExt cx="0" cy="0"/>
         </a:xfrm>
       </p:grpSpPr>
+      <p:pic>
+        <p:nvPicPr>
+          <p:cNvPr id="7" name="Picture 6" descr="Graphical user interface, text, application, email&#10;&#10;Description automatically generated">
+            <a:extLst>
+              <a:ext uri="{FF2B5EF4-FFF2-40B4-BE49-F238E27FC236}">
+                <a16:creationId xmlns:a16="http://schemas.microsoft.com/office/drawing/2014/main" id="{4F8D92D0-2C9C-AA48-9932-95634FA766EE}"/>
+              </a:ext>
+            </a:extLst>
+          </p:cNvPr>
+          <p:cNvPicPr>
+            <a:picLocks noChangeAspect="1"/>
+          </p:cNvPicPr>
+          <p:nvPr/>
+        </p:nvPicPr>
+        <p:blipFill>
+          <a:blip r:embed="rId2"/>
+          <a:stretch>
+            <a:fillRect/>
+          </a:stretch>
+        </p:blipFill>
+        <p:spPr>
+          <a:xfrm>
+            <a:off x="2057400" y="1003300"/>
+            <a:ext cx="5943600" cy="5181600"/>
+          </a:xfrm>
+          <a:prstGeom prst="rect">
+            <a:avLst/>
+          </a:prstGeom>
+        </p:spPr>
+      </p:pic>
+      <p:pic>
+        <p:nvPicPr>
+          <p:cNvPr id="10" name="Picture 9" descr="Table&#10;&#10;Description automatically generated">
+            <a:extLst>
+              <a:ext uri="{FF2B5EF4-FFF2-40B4-BE49-F238E27FC236}">
+                <a16:creationId xmlns:a16="http://schemas.microsoft.com/office/drawing/2014/main" id="{829E8E0B-20A5-3C44-B0C2-8AD73305148A}"/>
+              </a:ext>
+            </a:extLst>
+          </p:cNvPr>
+          <p:cNvPicPr>
+            <a:picLocks noChangeAspect="1"/>
+          </p:cNvPicPr>
+          <p:nvPr/>
+        </p:nvPicPr>
+        <p:blipFill>
+          <a:blip r:embed="rId3"/>
+          <a:stretch>
+            <a:fillRect/>
+          </a:stretch>
+        </p:blipFill>
+        <p:spPr>
+          <a:xfrm>
+            <a:off x="8064500" y="1003300"/>
+            <a:ext cx="2032000" cy="5181600"/>
+          </a:xfrm>
+          <a:prstGeom prst="rect">
+            <a:avLst/>
+          </a:prstGeom>
+        </p:spPr>
+      </p:pic>
+      <p:sp>
+        <p:nvSpPr>
+          <p:cNvPr id="2" name="Title 1"/>
+          <p:cNvSpPr>
+            <a:spLocks noGrp="1"/>
+          </p:cNvSpPr>
+          <p:nvPr>
+            <p:ph type="title"/>
+          </p:nvPr>
+        </p:nvSpPr>
+        <p:spPr>
+          <a:xfrm>
+            <a:off x="432000" y="432000"/>
+            <a:ext cx="11328000" cy="432000"/>
+          </a:xfrm>
+        </p:spPr>
+        <p:txBody>
+          <a:bodyPr anchor="ctr">
+            <a:normAutofit/>
+          </a:bodyPr>
+          <a:lstStyle/>
+          <a:p>
+            <a:pPr lvl="0" fontAlgn="base"/>
+            <a:r>
+              <a:rPr lang="en-US" sz="3000" dirty="0"/>
+              <a:t>Which actors are most promising to invest based on current earnings?</a:t>
+            </a:r>
+            <a:endParaRPr lang="en-IN" sz="3000" dirty="0"/>
+          </a:p>
+        </p:txBody>
+      </p:sp>
+      <p:sp>
+        <p:nvSpPr>
+          <p:cNvPr id="4" name="Footer Placeholder 3"/>
+          <p:cNvSpPr>
+            <a:spLocks noGrp="1"/>
+          </p:cNvSpPr>
+          <p:nvPr>
+            <p:ph type="ftr" sz="quarter" idx="12"/>
+          </p:nvPr>
+        </p:nvSpPr>
+        <p:spPr>
+          <a:xfrm>
+            <a:off x="432000" y="6439820"/>
+            <a:ext cx="5664000" cy="295062"/>
+          </a:xfrm>
+        </p:spPr>
+        <p:txBody>
+          <a:bodyPr anchor="ctr">
+            <a:normAutofit/>
+          </a:bodyPr>
+          <a:lstStyle/>
+          <a:p>
+            <a:pPr>
+              <a:spcAft>
+                <a:spcPts val="600"/>
+              </a:spcAft>
+            </a:pPr>
+            <a:r>
+              <a:rPr lang="en-US"/>
+              <a:t>E - Commerce Purchase Data Analysis – Team 7</a:t>
+            </a:r>
+          </a:p>
+        </p:txBody>
+      </p:sp>
+      <p:sp>
+        <p:nvSpPr>
+          <p:cNvPr id="5" name="Slide Number Placeholder 4"/>
+          <p:cNvSpPr>
+            <a:spLocks noGrp="1"/>
+          </p:cNvSpPr>
+          <p:nvPr>
+            <p:ph type="sldNum" sz="quarter" idx="33"/>
+          </p:nvPr>
+        </p:nvSpPr>
+        <p:spPr>
+          <a:xfrm>
+            <a:off x="11760000" y="6371351"/>
+            <a:ext cx="432000" cy="432000"/>
+          </a:xfrm>
+        </p:spPr>
+        <p:txBody>
+          <a:bodyPr anchor="ctr">
+            <a:normAutofit/>
+          </a:bodyPr>
+          <a:lstStyle/>
+          <a:p>
+            <a:pPr>
+              <a:spcAft>
+                <a:spcPts val="600"/>
+              </a:spcAft>
+            </a:pPr>
+            <a:fld id="{19B51A1E-902D-48AF-9020-955120F399B6}" type="slidenum">
+              <a:rPr lang="en-US" noProof="0" smtClean="0"/>
+              <a:pPr>
+                <a:spcAft>
+                  <a:spcPts val="600"/>
+                </a:spcAft>
+              </a:pPr>
+              <a:t>5</a:t>
+            </a:fld>
+            <a:endParaRPr lang="en-US" noProof="0"/>
+          </a:p>
+        </p:txBody>
+      </p:sp>
+    </p:spTree>
+    <p:extLst>
+      <p:ext uri="{BB962C8B-B14F-4D97-AF65-F5344CB8AC3E}">
+        <p14:creationId xmlns:p14="http://schemas.microsoft.com/office/powerpoint/2010/main" val="2881091505"/>
+      </p:ext>
+    </p:extLst>
+  </p:cSld>
+  <p:clrMapOvr>
+    <a:masterClrMapping/>
+  </p:clrMapOvr>
+</p:sld>
+</file>
+
+<file path=ppt/slides/slide6.xml><?xml version="1.0" encoding="utf-8"?>
+<p:sld xmlns:a="http://schemas.openxmlformats.org/drawingml/2006/main" xmlns:r="http://schemas.openxmlformats.org/officeDocument/2006/relationships" xmlns:p="http://schemas.openxmlformats.org/presentationml/2006/main">
+  <p:cSld>
+    <p:spTree>
+      <p:nvGrpSpPr>
+        <p:cNvPr id="1" name=""/>
+        <p:cNvGrpSpPr/>
+        <p:nvPr/>
+      </p:nvGrpSpPr>
+      <p:grpSpPr>
+        <a:xfrm>
+          <a:off x="0" y="0"/>
+          <a:ext cx="0" cy="0"/>
+          <a:chOff x="0" y="0"/>
+          <a:chExt cx="0" cy="0"/>
+        </a:xfrm>
+      </p:grpSpPr>
+      <p:pic>
+        <p:nvPicPr>
+          <p:cNvPr id="9" name="Picture 8" descr="A picture containing text&#10;&#10;Description automatically generated">
+            <a:extLst>
+              <a:ext uri="{FF2B5EF4-FFF2-40B4-BE49-F238E27FC236}">
+                <a16:creationId xmlns:a16="http://schemas.microsoft.com/office/drawing/2014/main" id="{3E3C46F7-6BD2-0C4F-B191-16FE27047CD5}"/>
+              </a:ext>
+            </a:extLst>
+          </p:cNvPr>
+          <p:cNvPicPr>
+            <a:picLocks noChangeAspect="1"/>
+          </p:cNvPicPr>
+          <p:nvPr/>
+        </p:nvPicPr>
+        <p:blipFill>
+          <a:blip r:embed="rId2"/>
+          <a:stretch>
+            <a:fillRect/>
+          </a:stretch>
+        </p:blipFill>
+        <p:spPr>
+          <a:xfrm>
+            <a:off x="2108200" y="1003300"/>
+            <a:ext cx="5651500" cy="5181600"/>
+          </a:xfrm>
+          <a:prstGeom prst="rect">
+            <a:avLst/>
+          </a:prstGeom>
+        </p:spPr>
+      </p:pic>
+      <p:pic>
+        <p:nvPicPr>
+          <p:cNvPr id="6" name="Picture 5" descr="A picture containing table&#10;&#10;Description automatically generated">
+            <a:extLst>
+              <a:ext uri="{FF2B5EF4-FFF2-40B4-BE49-F238E27FC236}">
+                <a16:creationId xmlns:a16="http://schemas.microsoft.com/office/drawing/2014/main" id="{BFFAA4F5-FC38-5342-93B1-B3E38542DBB9}"/>
+              </a:ext>
+            </a:extLst>
+          </p:cNvPr>
+          <p:cNvPicPr>
+            <a:picLocks noChangeAspect="1"/>
+          </p:cNvPicPr>
+          <p:nvPr/>
+        </p:nvPicPr>
+        <p:blipFill>
+          <a:blip r:embed="rId3"/>
+          <a:stretch>
+            <a:fillRect/>
+          </a:stretch>
+        </p:blipFill>
+        <p:spPr>
+          <a:xfrm>
+            <a:off x="7823200" y="1003300"/>
+            <a:ext cx="2222500" cy="5181600"/>
+          </a:xfrm>
+          <a:prstGeom prst="rect">
+            <a:avLst/>
+          </a:prstGeom>
+        </p:spPr>
+      </p:pic>
+      <p:sp>
+        <p:nvSpPr>
+          <p:cNvPr id="2" name="Title 1"/>
+          <p:cNvSpPr>
+            <a:spLocks noGrp="1"/>
+          </p:cNvSpPr>
+          <p:nvPr>
+            <p:ph type="title"/>
+          </p:nvPr>
+        </p:nvSpPr>
+        <p:spPr>
+          <a:xfrm>
+            <a:off x="432000" y="432000"/>
+            <a:ext cx="11328000" cy="432000"/>
+          </a:xfrm>
+        </p:spPr>
+        <p:txBody>
+          <a:bodyPr anchor="ctr">
+            <a:normAutofit/>
+          </a:bodyPr>
+          <a:lstStyle/>
+          <a:p>
+            <a:pPr lvl="0" fontAlgn="base"/>
+            <a:r>
+              <a:rPr lang="en-US" sz="3000" dirty="0"/>
+              <a:t>Bucket list of movies based on ratings and best earnings?</a:t>
+            </a:r>
+            <a:endParaRPr lang="en-IN" sz="3000" dirty="0"/>
+          </a:p>
+        </p:txBody>
+      </p:sp>
+      <p:sp>
+        <p:nvSpPr>
+          <p:cNvPr id="4" name="Footer Placeholder 3"/>
+          <p:cNvSpPr>
+            <a:spLocks noGrp="1"/>
+          </p:cNvSpPr>
+          <p:nvPr>
+            <p:ph type="ftr" sz="quarter" idx="12"/>
+          </p:nvPr>
+        </p:nvSpPr>
+        <p:spPr>
+          <a:xfrm>
+            <a:off x="432000" y="6439820"/>
+            <a:ext cx="5664000" cy="295062"/>
+          </a:xfrm>
+        </p:spPr>
+        <p:txBody>
+          <a:bodyPr anchor="ctr">
+            <a:normAutofit/>
+          </a:bodyPr>
+          <a:lstStyle/>
+          <a:p>
+            <a:pPr>
+              <a:spcAft>
+                <a:spcPts val="600"/>
+              </a:spcAft>
+            </a:pPr>
+            <a:r>
+              <a:rPr lang="en-US"/>
+              <a:t>E - Commerce Purchase Data Analysis – Team 7</a:t>
+            </a:r>
+          </a:p>
+        </p:txBody>
+      </p:sp>
+      <p:sp>
+        <p:nvSpPr>
+          <p:cNvPr id="5" name="Slide Number Placeholder 4"/>
+          <p:cNvSpPr>
+            <a:spLocks noGrp="1"/>
+          </p:cNvSpPr>
+          <p:nvPr>
+            <p:ph type="sldNum" sz="quarter" idx="33"/>
+          </p:nvPr>
+        </p:nvSpPr>
+        <p:spPr>
+          <a:xfrm>
+            <a:off x="11760000" y="6371351"/>
+            <a:ext cx="432000" cy="432000"/>
+          </a:xfrm>
+        </p:spPr>
+        <p:txBody>
+          <a:bodyPr anchor="ctr">
+            <a:normAutofit/>
+          </a:bodyPr>
+          <a:lstStyle/>
+          <a:p>
+            <a:pPr>
+              <a:spcAft>
+                <a:spcPts val="600"/>
+              </a:spcAft>
+            </a:pPr>
+            <a:fld id="{19B51A1E-902D-48AF-9020-955120F399B6}" type="slidenum">
+              <a:rPr lang="en-US" noProof="0" smtClean="0"/>
+              <a:pPr>
+                <a:spcAft>
+                  <a:spcPts val="600"/>
+                </a:spcAft>
+              </a:pPr>
+              <a:t>6</a:t>
+            </a:fld>
+            <a:endParaRPr lang="en-US" noProof="0"/>
+          </a:p>
+        </p:txBody>
+      </p:sp>
+    </p:spTree>
+    <p:extLst>
+      <p:ext uri="{BB962C8B-B14F-4D97-AF65-F5344CB8AC3E}">
+        <p14:creationId xmlns:p14="http://schemas.microsoft.com/office/powerpoint/2010/main" val="1845510356"/>
+      </p:ext>
+    </p:extLst>
+  </p:cSld>
+  <p:clrMapOvr>
+    <a:masterClrMapping/>
+  </p:clrMapOvr>
+</p:sld>
+</file>
+
+<file path=ppt/slides/slide7.xml><?xml version="1.0" encoding="utf-8"?>
+<p:sld xmlns:a="http://schemas.openxmlformats.org/drawingml/2006/main" xmlns:r="http://schemas.openxmlformats.org/officeDocument/2006/relationships" xmlns:p="http://schemas.openxmlformats.org/presentationml/2006/main">
+  <p:cSld>
+    <p:spTree>
+      <p:nvGrpSpPr>
+        <p:cNvPr id="1" name=""/>
+        <p:cNvGrpSpPr/>
+        <p:nvPr/>
+      </p:nvGrpSpPr>
+      <p:grpSpPr>
+        <a:xfrm>
+          <a:off x="0" y="0"/>
+          <a:ext cx="0" cy="0"/>
+          <a:chOff x="0" y="0"/>
+          <a:chExt cx="0" cy="0"/>
+        </a:xfrm>
+      </p:grpSpPr>
       <p:sp>
         <p:nvSpPr>
           <p:cNvPr id="2" name="Title 1"/>
@@ -10342,7 +10734,7 @@
             <a:fld id="{19B51A1E-902D-48AF-9020-955120F399B6}" type="slidenum">
               <a:rPr lang="en-US" noProof="0" smtClean="0"/>
               <a:pPr/>
-              <a:t>5</a:t>
+              <a:t>7</a:t>
             </a:fld>
             <a:endParaRPr lang="en-US" noProof="0" dirty="0"/>
           </a:p>
@@ -11241,6 +11633,23 @@
 </file>
 
 <file path=customXml/item1.xml><?xml version="1.0" encoding="utf-8"?>
+<?mso-contentType ?>
+<FormTemplates xmlns="http://schemas.microsoft.com/sharepoint/v3/contenttype/forms">
+  <Display>DocumentLibraryForm</Display>
+  <Edit>DocumentLibraryForm</Edit>
+  <New>DocumentLibraryForm</New>
+</FormTemplates>
+</file>
+
+<file path=customXml/item2.xml><?xml version="1.0" encoding="utf-8"?>
+<p:properties xmlns:p="http://schemas.microsoft.com/office/2006/metadata/properties" xmlns:xsi="http://www.w3.org/2001/XMLSchema-instance" xmlns:pc="http://schemas.microsoft.com/office/infopath/2007/PartnerControls">
+  <documentManagement>
+    <MediaServiceKeyPoints xmlns="71af3243-3dd4-4a8d-8c0d-dd76da1f02a5" xsi:nil="true"/>
+  </documentManagement>
+</p:properties>
+</file>
+
+<file path=customXml/item3.xml><?xml version="1.0" encoding="utf-8"?>
 <ct:contentTypeSchema xmlns:ct="http://schemas.microsoft.com/office/2006/metadata/contentType" xmlns:ma="http://schemas.microsoft.com/office/2006/metadata/properties/metaAttributes" ct:_="" ma:_="" ma:contentTypeName="Document" ma:contentTypeID="0x01010079F111ED35F8CC479449609E8A0923A6" ma:contentTypeVersion="11" ma:contentTypeDescription="Create a new document." ma:contentTypeScope="" ma:versionID="96291512c1ee715ab617f4c07df79fc1">
   <xsd:schema xmlns:xsd="http://www.w3.org/2001/XMLSchema" xmlns:xs="http://www.w3.org/2001/XMLSchema" xmlns:p="http://schemas.microsoft.com/office/2006/metadata/properties" xmlns:ns2="71af3243-3dd4-4a8d-8c0d-dd76da1f02a5" xmlns:ns3="16c05727-aa75-4e4a-9b5f-8a80a1165891" targetNamespace="http://schemas.microsoft.com/office/2006/metadata/properties" ma:root="true" ma:fieldsID="8256c27c40ca5c40ce1cf6c44f0205df" ns2:_="" ns3:_="">
     <xsd:import namespace="71af3243-3dd4-4a8d-8c0d-dd76da1f02a5"/>
@@ -11451,38 +11860,10 @@
 </ct:contentTypeSchema>
 </file>
 
-<file path=customXml/item2.xml><?xml version="1.0" encoding="utf-8"?>
-<p:properties xmlns:p="http://schemas.microsoft.com/office/2006/metadata/properties" xmlns:xsi="http://www.w3.org/2001/XMLSchema-instance" xmlns:pc="http://schemas.microsoft.com/office/infopath/2007/PartnerControls">
-  <documentManagement>
-    <MediaServiceKeyPoints xmlns="71af3243-3dd4-4a8d-8c0d-dd76da1f02a5" xsi:nil="true"/>
-  </documentManagement>
-</p:properties>
-</file>
-
-<file path=customXml/item3.xml><?xml version="1.0" encoding="utf-8"?>
-<?mso-contentType ?>
-<FormTemplates xmlns="http://schemas.microsoft.com/sharepoint/v3/contenttype/forms">
-  <Display>DocumentLibraryForm</Display>
-  <Edit>DocumentLibraryForm</Edit>
-  <New>DocumentLibraryForm</New>
-</FormTemplates>
-</file>
-
 <file path=customXml/itemProps1.xml><?xml version="1.0" encoding="utf-8"?>
-<ds:datastoreItem xmlns:ds="http://schemas.openxmlformats.org/officeDocument/2006/customXml" ds:itemID="{2EDB5DD7-8DCC-4069-9EB3-5D098186652E}">
+<ds:datastoreItem xmlns:ds="http://schemas.openxmlformats.org/officeDocument/2006/customXml" ds:itemID="{B8E15EA0-2F38-456B-B156-038699A5D17F}">
   <ds:schemaRefs>
-    <ds:schemaRef ds:uri="http://schemas.microsoft.com/office/2006/metadata/contentType"/>
-    <ds:schemaRef ds:uri="http://schemas.microsoft.com/office/2006/metadata/properties/metaAttributes"/>
-    <ds:schemaRef ds:uri="http://www.w3.org/2001/XMLSchema"/>
-    <ds:schemaRef ds:uri="http://schemas.microsoft.com/office/2006/metadata/properties"/>
-    <ds:schemaRef ds:uri="71af3243-3dd4-4a8d-8c0d-dd76da1f02a5"/>
-    <ds:schemaRef ds:uri="16c05727-aa75-4e4a-9b5f-8a80a1165891"/>
-    <ds:schemaRef ds:uri="http://schemas.microsoft.com/office/2006/documentManagement/types"/>
-    <ds:schemaRef ds:uri="http://schemas.microsoft.com/office/infopath/2007/PartnerControls"/>
-    <ds:schemaRef ds:uri="http://schemas.openxmlformats.org/package/2006/metadata/core-properties"/>
-    <ds:schemaRef ds:uri="http://purl.org/dc/elements/1.1/"/>
-    <ds:schemaRef ds:uri="http://purl.org/dc/terms/"/>
-    <ds:schemaRef ds:uri="http://schemas.microsoft.com/internal/obd"/>
+    <ds:schemaRef ds:uri="http://schemas.microsoft.com/sharepoint/v3/contenttype/forms"/>
   </ds:schemaRefs>
 </ds:datastoreItem>
 </file>
@@ -11505,9 +11886,20 @@
 </file>
 
 <file path=customXml/itemProps3.xml><?xml version="1.0" encoding="utf-8"?>
-<ds:datastoreItem xmlns:ds="http://schemas.openxmlformats.org/officeDocument/2006/customXml" ds:itemID="{B8E15EA0-2F38-456B-B156-038699A5D17F}">
+<ds:datastoreItem xmlns:ds="http://schemas.openxmlformats.org/officeDocument/2006/customXml" ds:itemID="{2EDB5DD7-8DCC-4069-9EB3-5D098186652E}">
   <ds:schemaRefs>
-    <ds:schemaRef ds:uri="http://schemas.microsoft.com/sharepoint/v3/contenttype/forms"/>
+    <ds:schemaRef ds:uri="http://schemas.microsoft.com/office/2006/metadata/contentType"/>
+    <ds:schemaRef ds:uri="http://schemas.microsoft.com/office/2006/metadata/properties/metaAttributes"/>
+    <ds:schemaRef ds:uri="http://www.w3.org/2001/XMLSchema"/>
+    <ds:schemaRef ds:uri="http://schemas.microsoft.com/office/2006/metadata/properties"/>
+    <ds:schemaRef ds:uri="71af3243-3dd4-4a8d-8c0d-dd76da1f02a5"/>
+    <ds:schemaRef ds:uri="16c05727-aa75-4e4a-9b5f-8a80a1165891"/>
+    <ds:schemaRef ds:uri="http://schemas.microsoft.com/office/2006/documentManagement/types"/>
+    <ds:schemaRef ds:uri="http://schemas.microsoft.com/office/infopath/2007/PartnerControls"/>
+    <ds:schemaRef ds:uri="http://schemas.openxmlformats.org/package/2006/metadata/core-properties"/>
+    <ds:schemaRef ds:uri="http://purl.org/dc/elements/1.1/"/>
+    <ds:schemaRef ds:uri="http://purl.org/dc/terms/"/>
+    <ds:schemaRef ds:uri="http://schemas.microsoft.com/internal/obd"/>
   </ds:schemaRefs>
 </ds:datastoreItem>
 </file>